--- a/10_Presentations/utah_ling_22/spam_open.pptx
+++ b/10_Presentations/utah_ling_22/spam_open.pptx
@@ -3908,7 +3908,7 @@
           <a:p>
             <a:fld id="{B6C37B12-BD86-074B-8BB7-ADEF50218013}" type="datetimeFigureOut">
               <a:rPr lang="en-US" smtClean="0"/>
-              <a:t>9/27/22</a:t>
+              <a:t>10/27/22</a:t>
             </a:fld>
             <a:endParaRPr lang="en-US"/>
           </a:p>
@@ -14327,11 +14327,11 @@
               <a:buChar char="-"/>
             </a:pPr>
             <a:r>
-              <a:rPr lang="en"/>
+              <a:rPr lang="en" dirty="0"/>
               <a:t>Corpus Text Data: </a:t>
             </a:r>
             <a:r>
-              <a:rPr lang="en" u="sng">
+              <a:rPr lang="en" u="sng" dirty="0">
                 <a:solidFill>
                   <a:schemeClr val="hlink"/>
                 </a:solidFill>
@@ -14339,7 +14339,7 @@
               </a:rPr>
               <a:t>Open Subtitles Project</a:t>
             </a:r>
-            <a:endParaRPr/>
+            <a:endParaRPr dirty="0"/>
           </a:p>
           <a:p>
             <a:pPr marL="914400" lvl="1" indent="-342900" algn="l" rtl="0">
@@ -14353,10 +14353,10 @@
               <a:buChar char="-"/>
             </a:pPr>
             <a:r>
-              <a:rPr lang="en"/>
+              <a:rPr lang="en" dirty="0"/>
               <a:t>Freely available subtitles in ~60 languages for computational analysis</a:t>
             </a:r>
-            <a:endParaRPr/>
+            <a:endParaRPr dirty="0"/>
           </a:p>
           <a:p>
             <a:pPr marL="914400" lvl="1" indent="-342900" algn="l" rtl="0">
@@ -14370,10 +14370,10 @@
               <a:buChar char="-"/>
             </a:pPr>
             <a:r>
-              <a:rPr lang="en"/>
+              <a:rPr lang="en" dirty="0"/>
               <a:t>Approximately 43 languages contain enough data to be useable for these projects</a:t>
             </a:r>
-            <a:endParaRPr/>
+            <a:endParaRPr dirty="0"/>
           </a:p>
           <a:p>
             <a:pPr marL="457200" lvl="0" indent="-368300" algn="l" rtl="0">
@@ -14387,14 +14387,14 @@
               <a:buChar char="-"/>
             </a:pPr>
             <a:r>
-              <a:rPr lang="en" i="1"/>
+              <a:rPr lang="en" i="1" dirty="0"/>
               <a:t>The Subtitle Projects have had a serious impact on our field. </a:t>
             </a:r>
             <a:r>
-              <a:rPr lang="en"/>
+              <a:rPr lang="en" dirty="0"/>
               <a:t> </a:t>
             </a:r>
-            <a:endParaRPr/>
+            <a:endParaRPr dirty="0"/>
           </a:p>
         </p:txBody>
       </p:sp>
@@ -17422,10 +17422,10 @@
               <a:buChar char="-"/>
             </a:pPr>
             <a:r>
-              <a:rPr lang="en"/>
+              <a:rPr lang="en" dirty="0"/>
               <a:t>Semantic Priming Data</a:t>
             </a:r>
-            <a:endParaRPr/>
+            <a:endParaRPr dirty="0"/>
           </a:p>
           <a:p>
             <a:pPr marL="914400" lvl="1" indent="-342900" algn="l" rtl="0">
@@ -17439,10 +17439,10 @@
               <a:buChar char="-"/>
             </a:pPr>
             <a:r>
-              <a:rPr lang="en"/>
+              <a:rPr lang="en" dirty="0"/>
               <a:t>This procedure creates data at many levels</a:t>
             </a:r>
-            <a:endParaRPr/>
+            <a:endParaRPr dirty="0"/>
           </a:p>
           <a:p>
             <a:pPr marL="914400" lvl="1" indent="-342900" algn="l" rtl="0">
@@ -17456,10 +17456,10 @@
               <a:buChar char="-"/>
             </a:pPr>
             <a:r>
-              <a:rPr lang="en"/>
+              <a:rPr lang="en" dirty="0"/>
               <a:t>Subject level: for every participant </a:t>
             </a:r>
-            <a:endParaRPr/>
+            <a:endParaRPr dirty="0"/>
           </a:p>
           <a:p>
             <a:pPr marL="914400" lvl="1" indent="-342900" algn="l" rtl="0">
@@ -17473,10 +17473,10 @@
               <a:buChar char="-"/>
             </a:pPr>
             <a:r>
-              <a:rPr lang="en"/>
+              <a:rPr lang="en" dirty="0"/>
               <a:t>Item level: for each individual item, rather than just cue or just concept</a:t>
             </a:r>
-            <a:endParaRPr/>
+            <a:endParaRPr dirty="0"/>
           </a:p>
           <a:p>
             <a:pPr marL="914400" lvl="1" indent="-342900" algn="l" rtl="0">
@@ -17490,10 +17490,10 @@
               <a:buChar char="-"/>
             </a:pPr>
             <a:r>
-              <a:rPr lang="en"/>
+              <a:rPr lang="en" dirty="0"/>
               <a:t>Priming level: for each related pair compared to the unrelated pair</a:t>
             </a:r>
-            <a:endParaRPr/>
+            <a:endParaRPr dirty="0"/>
           </a:p>
           <a:p>
             <a:pPr marL="1371600" lvl="2" indent="-317500" algn="l" rtl="0">
@@ -17507,10 +17507,10 @@
               <a:buChar char="-"/>
             </a:pPr>
             <a:r>
-              <a:rPr lang="en"/>
+              <a:rPr lang="en" dirty="0"/>
               <a:t>Nonsense words have a purpose! </a:t>
             </a:r>
-            <a:endParaRPr/>
+            <a:endParaRPr dirty="0"/>
           </a:p>
         </p:txBody>
       </p:sp>
@@ -19924,8 +19924,13 @@
           <a:p>
             <a:r>
               <a:rPr lang="en-US" dirty="0"/>
-              <a:t>Linguistics is ripe for studies in this area to increase the breadth of language, researcher, and participants including</a:t>
+              <a:t>Linguistics is ripe for studies in this area to increase the breadth of language, researcher, and </a:t>
             </a:r>
+            <a:r>
+              <a:rPr lang="en-US"/>
+              <a:t>participants included</a:t>
+            </a:r>
+            <a:endParaRPr lang="en-US" dirty="0"/>
           </a:p>
           <a:p>
             <a:r>
